--- a/NT Presentation.pptx
+++ b/NT Presentation.pptx
@@ -12,9 +12,10 @@
     <p:sldId id="266" r:id="rId6"/>
     <p:sldId id="267" r:id="rId7"/>
     <p:sldId id="268" r:id="rId8"/>
-    <p:sldId id="270" r:id="rId9"/>
-    <p:sldId id="269" r:id="rId10"/>
-    <p:sldId id="260" r:id="rId11"/>
+    <p:sldId id="271" r:id="rId9"/>
+    <p:sldId id="270" r:id="rId10"/>
+    <p:sldId id="269" r:id="rId11"/>
+    <p:sldId id="260" r:id="rId12"/>
   </p:sldIdLst>
   <p:sldSz cx="12192000" cy="6858000"/>
   <p:notesSz cx="6858000" cy="9144000"/>
@@ -306,7 +307,7 @@
           <a:p>
             <a:fld id="{88D38747-4367-4BD2-8D51-C97E202738E2}" type="datetime1">
               <a:rPr lang="en-US" smtClean="0"/>
-              <a:t>1/29/2021</a:t>
+              <a:t>2/8/2021</a:t>
             </a:fld>
             <a:endParaRPr lang="en-US" dirty="0"/>
           </a:p>
@@ -611,7 +612,7 @@
           <a:p>
             <a:fld id="{11F1B079-7EF0-44EE-B798-BCC497C9F3B2}" type="datetime1">
               <a:rPr lang="en-US" smtClean="0"/>
-              <a:t>1/29/2021</a:t>
+              <a:t>2/8/2021</a:t>
             </a:fld>
             <a:endParaRPr lang="en-US" dirty="0"/>
           </a:p>
@@ -805,7 +806,7 @@
           <a:p>
             <a:fld id="{28FF70A8-1D13-4657-95F0-A9EA54967B8D}" type="datetime1">
               <a:rPr lang="en-US" smtClean="0"/>
-              <a:t>1/29/2021</a:t>
+              <a:t>2/8/2021</a:t>
             </a:fld>
             <a:endParaRPr lang="en-US" dirty="0"/>
           </a:p>
@@ -1068,7 +1069,7 @@
           <a:p>
             <a:fld id="{21EB90AC-71BD-4C7F-8ACA-7B3F18292E63}" type="datetime1">
               <a:rPr lang="en-US" smtClean="0"/>
-              <a:t>1/29/2021</a:t>
+              <a:t>2/8/2021</a:t>
             </a:fld>
             <a:endParaRPr lang="en-US" dirty="0"/>
           </a:p>
@@ -1504,7 +1505,7 @@
           <a:p>
             <a:fld id="{4E6EFC2C-8905-46F0-B443-CE905B76BA01}" type="datetime1">
               <a:rPr lang="en-US" smtClean="0"/>
-              <a:t>1/29/2021</a:t>
+              <a:t>2/8/2021</a:t>
             </a:fld>
             <a:endParaRPr lang="en-US" dirty="0"/>
           </a:p>
@@ -2041,7 +2042,7 @@
           <a:p>
             <a:fld id="{D9079DC3-C9B5-499E-9140-0DC28B7074E2}" type="datetime1">
               <a:rPr lang="en-US" smtClean="0"/>
-              <a:t>1/29/2021</a:t>
+              <a:t>2/8/2021</a:t>
             </a:fld>
             <a:endParaRPr lang="en-US" dirty="0"/>
           </a:p>
@@ -2923,7 +2924,7 @@
           <a:p>
             <a:fld id="{30BB33EA-E472-4D22-9C03-A9C14AA21CED}" type="datetime1">
               <a:rPr lang="en-US" smtClean="0"/>
-              <a:t>1/29/2021</a:t>
+              <a:t>2/8/2021</a:t>
             </a:fld>
             <a:endParaRPr lang="en-US" dirty="0"/>
           </a:p>
@@ -3093,7 +3094,7 @@
           <a:p>
             <a:fld id="{217E833E-1B6D-415F-AD29-75AE8C43BD0D}" type="datetime1">
               <a:rPr lang="en-US" smtClean="0"/>
-              <a:t>1/29/2021</a:t>
+              <a:t>2/8/2021</a:t>
             </a:fld>
             <a:endParaRPr lang="en-US" dirty="0"/>
           </a:p>
@@ -3277,7 +3278,7 @@
           <a:p>
             <a:fld id="{8452596F-08A7-4B70-989A-F2B1CF31E66B}" type="datetime1">
               <a:rPr lang="en-US" smtClean="0"/>
-              <a:t>1/29/2021</a:t>
+              <a:t>2/8/2021</a:t>
             </a:fld>
             <a:endParaRPr lang="en-US" dirty="0"/>
           </a:p>
@@ -3447,7 +3448,7 @@
           <a:p>
             <a:fld id="{73C55A3C-5767-4844-A0A3-83778C2E5409}" type="datetime1">
               <a:rPr lang="en-US" smtClean="0"/>
-              <a:t>1/29/2021</a:t>
+              <a:t>2/8/2021</a:t>
             </a:fld>
             <a:endParaRPr lang="en-US" dirty="0"/>
           </a:p>
@@ -3691,7 +3692,7 @@
           <a:p>
             <a:fld id="{CAE507A8-A5CF-4D38-AB86-7EDDA87A85D4}" type="datetime1">
               <a:rPr lang="en-US" smtClean="0"/>
-              <a:t>1/29/2021</a:t>
+              <a:t>2/8/2021</a:t>
             </a:fld>
             <a:endParaRPr lang="en-US" dirty="0"/>
           </a:p>
@@ -3933,7 +3934,7 @@
           <a:p>
             <a:fld id="{BDFCD27C-8599-43EF-BA1D-14DDC1946E06}" type="datetime1">
               <a:rPr lang="en-US" smtClean="0"/>
-              <a:t>1/29/2021</a:t>
+              <a:t>2/8/2021</a:t>
             </a:fld>
             <a:endParaRPr lang="en-US" dirty="0"/>
           </a:p>
@@ -4416,7 +4417,7 @@
           <a:p>
             <a:fld id="{49343D99-809A-49C0-96E5-4250D0B498EE}" type="datetime1">
               <a:rPr lang="en-US" smtClean="0"/>
-              <a:t>1/29/2021</a:t>
+              <a:t>2/8/2021</a:t>
             </a:fld>
             <a:endParaRPr lang="en-US" dirty="0"/>
           </a:p>
@@ -4534,7 +4535,7 @@
           <a:p>
             <a:fld id="{A143DE9B-B678-4EFB-BB7D-A4370204A0B0}" type="datetime1">
               <a:rPr lang="en-US" smtClean="0"/>
-              <a:t>1/29/2021</a:t>
+              <a:t>2/8/2021</a:t>
             </a:fld>
             <a:endParaRPr lang="en-US" dirty="0"/>
           </a:p>
@@ -4629,7 +4630,7 @@
           <a:p>
             <a:fld id="{E68812DA-F765-4142-A6A3-A8ED7235E082}" type="datetime1">
               <a:rPr lang="en-US" smtClean="0"/>
-              <a:t>1/29/2021</a:t>
+              <a:t>2/8/2021</a:t>
             </a:fld>
             <a:endParaRPr lang="en-US" dirty="0"/>
           </a:p>
@@ -4884,7 +4885,7 @@
           <a:p>
             <a:fld id="{3E0277FD-7DE6-41D4-930D-AC99F5AFE54E}" type="datetime1">
               <a:rPr lang="en-US" smtClean="0"/>
-              <a:t>1/29/2021</a:t>
+              <a:t>2/8/2021</a:t>
             </a:fld>
             <a:endParaRPr lang="en-US" dirty="0"/>
           </a:p>
@@ -5191,7 +5192,7 @@
           <a:p>
             <a:fld id="{9EA15526-7079-4B7B-987C-1B5FAE11A0FF}" type="datetime1">
               <a:rPr lang="en-US" smtClean="0"/>
-              <a:t>1/29/2021</a:t>
+              <a:t>2/8/2021</a:t>
             </a:fld>
             <a:endParaRPr lang="en-US" dirty="0"/>
           </a:p>
@@ -5426,7 +5427,7 @@
           <a:p>
             <a:fld id="{073ED0CC-082F-4160-86E5-0D6041F12778}" type="datetime1">
               <a:rPr lang="en-US" smtClean="0"/>
-              <a:t>1/29/2021</a:t>
+              <a:t>2/8/2021</a:t>
             </a:fld>
             <a:endParaRPr lang="en-US" dirty="0"/>
           </a:p>
@@ -6264,6 +6265,120 @@
           <p:cNvPr id="2" name="Title 1">
             <a:extLst>
               <a:ext uri="{FF2B5EF4-FFF2-40B4-BE49-F238E27FC236}">
+                <a16:creationId xmlns:a16="http://schemas.microsoft.com/office/drawing/2014/main" id="{233B9B63-6268-477D-ADBC-4C5517D1F1A5}"/>
+              </a:ext>
+            </a:extLst>
+          </p:cNvPr>
+          <p:cNvSpPr>
+            <a:spLocks noGrp="1"/>
+          </p:cNvSpPr>
+          <p:nvPr>
+            <p:ph type="title"/>
+          </p:nvPr>
+        </p:nvSpPr>
+        <p:spPr/>
+        <p:txBody>
+          <a:bodyPr/>
+          <a:lstStyle/>
+          <a:p>
+            <a:r>
+              <a:rPr lang="en-US" dirty="0"/>
+              <a:t>Conclusions</a:t>
+            </a:r>
+          </a:p>
+        </p:txBody>
+      </p:sp>
+      <p:sp>
+        <p:nvSpPr>
+          <p:cNvPr id="3" name="Content Placeholder 2">
+            <a:extLst>
+              <a:ext uri="{FF2B5EF4-FFF2-40B4-BE49-F238E27FC236}">
+                <a16:creationId xmlns:a16="http://schemas.microsoft.com/office/drawing/2014/main" id="{26EE9B32-57FF-42B9-8D8D-58DB18754601}"/>
+              </a:ext>
+            </a:extLst>
+          </p:cNvPr>
+          <p:cNvSpPr>
+            <a:spLocks noGrp="1"/>
+          </p:cNvSpPr>
+          <p:nvPr>
+            <p:ph idx="1"/>
+          </p:nvPr>
+        </p:nvSpPr>
+        <p:spPr/>
+        <p:txBody>
+          <a:bodyPr/>
+          <a:lstStyle/>
+          <a:p>
+            <a:r>
+              <a:rPr lang="en-US" dirty="0"/>
+              <a:t>After all the data manipulating and narrowing of scope, the best model is still the first with roughly 50% reliability.</a:t>
+            </a:r>
+          </a:p>
+          <a:p>
+            <a:r>
+              <a:rPr lang="en-US" dirty="0"/>
+              <a:t>More work is needed to improve the model:</a:t>
+            </a:r>
+          </a:p>
+          <a:p>
+            <a:pPr lvl="1"/>
+            <a:r>
+              <a:rPr lang="en-US" dirty="0"/>
+              <a:t>Organizing/limiting the data to specific area code</a:t>
+            </a:r>
+          </a:p>
+          <a:p>
+            <a:pPr lvl="1"/>
+            <a:r>
+              <a:rPr lang="en-US" dirty="0"/>
+              <a:t>Further limits placed on </a:t>
+            </a:r>
+            <a:r>
+              <a:rPr lang="en-US" dirty="0" err="1"/>
+              <a:t>sqft</a:t>
+            </a:r>
+            <a:r>
+              <a:rPr lang="en-US" dirty="0"/>
+              <a:t> both in living area and acreage</a:t>
+            </a:r>
+          </a:p>
+        </p:txBody>
+      </p:sp>
+    </p:spTree>
+    <p:extLst>
+      <p:ext uri="{BB962C8B-B14F-4D97-AF65-F5344CB8AC3E}">
+        <p14:creationId xmlns:p14="http://schemas.microsoft.com/office/powerpoint/2010/main" val="1822386034"/>
+      </p:ext>
+    </p:extLst>
+  </p:cSld>
+  <p:clrMapOvr>
+    <a:masterClrMapping/>
+  </p:clrMapOvr>
+</p:sld>
+</file>
+
+<file path=ppt/slides/slide11.xml><?xml version="1.0" encoding="utf-8"?>
+<p:sld xmlns:a="http://schemas.openxmlformats.org/drawingml/2006/main" xmlns:r="http://schemas.openxmlformats.org/officeDocument/2006/relationships" xmlns:p="http://schemas.openxmlformats.org/presentationml/2006/main">
+  <p:cSld>
+    <p:spTree>
+      <p:nvGrpSpPr>
+        <p:cNvPr id="1" name=""/>
+        <p:cNvGrpSpPr/>
+        <p:nvPr/>
+      </p:nvGrpSpPr>
+      <p:grpSpPr>
+        <a:xfrm>
+          <a:off x="0" y="0"/>
+          <a:ext cx="0" cy="0"/>
+          <a:chOff x="0" y="0"/>
+          <a:chExt cx="0" cy="0"/>
+        </a:xfrm>
+      </p:grpSpPr>
+      <p:sp>
+        <p:nvSpPr>
+          <p:cNvPr id="2" name="Title 1">
+            <a:extLst>
+              <a:ext uri="{FF2B5EF4-FFF2-40B4-BE49-F238E27FC236}">
                 <a16:creationId xmlns:a16="http://schemas.microsoft.com/office/drawing/2014/main" id="{C57458BD-646B-408B-A8A0-4991403A862B}"/>
               </a:ext>
             </a:extLst>
@@ -6746,12 +6861,44 @@
           </a:p>
         </p:txBody>
       </p:sp>
+      <p:sp>
+        <p:nvSpPr>
+          <p:cNvPr id="4" name="Text Placeholder 3">
+            <a:extLst>
+              <a:ext uri="{FF2B5EF4-FFF2-40B4-BE49-F238E27FC236}">
+                <a16:creationId xmlns:a16="http://schemas.microsoft.com/office/drawing/2014/main" id="{4B3B0D27-60AC-4483-835F-40373BE44756}"/>
+              </a:ext>
+            </a:extLst>
+          </p:cNvPr>
+          <p:cNvSpPr>
+            <a:spLocks noGrp="1"/>
+          </p:cNvSpPr>
+          <p:nvPr>
+            <p:ph type="body" sz="half" idx="2"/>
+          </p:nvPr>
+        </p:nvSpPr>
+        <p:spPr/>
+        <p:txBody>
+          <a:bodyPr/>
+          <a:lstStyle/>
+          <a:p>
+            <a:pPr marL="285750" indent="-285750" algn="l">
+              <a:buFont typeface="Arial" panose="020B0604020202020204" pitchFamily="34" charset="0"/>
+              <a:buChar char="•"/>
+            </a:pPr>
+            <a:r>
+              <a:rPr lang="en-US" dirty="0"/>
+              <a:t>The highest correlation with price is living area (.64), followed by bathrooms (.47), then bedrooms (.31) and lot size (.089)</a:t>
+            </a:r>
+          </a:p>
+        </p:txBody>
+      </p:sp>
       <p:pic>
         <p:nvPicPr>
-          <p:cNvPr id="6" name="Content Placeholder 5">
+          <p:cNvPr id="8" name="Content Placeholder 7">
             <a:extLst>
               <a:ext uri="{FF2B5EF4-FFF2-40B4-BE49-F238E27FC236}">
-                <a16:creationId xmlns:a16="http://schemas.microsoft.com/office/drawing/2014/main" id="{40972D31-1AA9-4F21-A69D-C7B1E69717A4}"/>
+                <a16:creationId xmlns:a16="http://schemas.microsoft.com/office/drawing/2014/main" id="{97169686-6AD4-48EB-921D-11A75F42D186}"/>
               </a:ext>
             </a:extLst>
           </p:cNvPr>
@@ -6776,43 +6923,11 @@
         </p:blipFill>
         <p:spPr>
           <a:xfrm>
-            <a:off x="5460713" y="609600"/>
-            <a:ext cx="5202812" cy="5080000"/>
+            <a:off x="4856163" y="795576"/>
+            <a:ext cx="6411912" cy="5338894"/>
           </a:xfrm>
         </p:spPr>
       </p:pic>
-      <p:sp>
-        <p:nvSpPr>
-          <p:cNvPr id="4" name="Text Placeholder 3">
-            <a:extLst>
-              <a:ext uri="{FF2B5EF4-FFF2-40B4-BE49-F238E27FC236}">
-                <a16:creationId xmlns:a16="http://schemas.microsoft.com/office/drawing/2014/main" id="{4B3B0D27-60AC-4483-835F-40373BE44756}"/>
-              </a:ext>
-            </a:extLst>
-          </p:cNvPr>
-          <p:cNvSpPr>
-            <a:spLocks noGrp="1"/>
-          </p:cNvSpPr>
-          <p:nvPr>
-            <p:ph type="body" sz="half" idx="2"/>
-          </p:nvPr>
-        </p:nvSpPr>
-        <p:spPr/>
-        <p:txBody>
-          <a:bodyPr/>
-          <a:lstStyle/>
-          <a:p>
-            <a:pPr marL="285750" indent="-285750" algn="l">
-              <a:buFont typeface="Arial" panose="020B0604020202020204" pitchFamily="34" charset="0"/>
-              <a:buChar char="•"/>
-            </a:pPr>
-            <a:r>
-              <a:rPr lang="en-US" dirty="0"/>
-              <a:t>The highest correlation with price is living area (.64), followed by bathrooms (.47), then bedrooms (.31) and lot size (.089)</a:t>
-            </a:r>
-          </a:p>
-        </p:txBody>
-      </p:sp>
     </p:spTree>
     <p:extLst>
       <p:ext uri="{BB962C8B-B14F-4D97-AF65-F5344CB8AC3E}">
@@ -7043,11 +7158,8 @@
             </a:r>
           </a:p>
           <a:p>
-            <a:pPr lvl="1"/>
-            <a:r>
-              <a:rPr lang="en-US" dirty="0"/>
-              <a:t>And many, many more…..</a:t>
-            </a:r>
+            <a:pPr marL="415800" indent="-342900"/>
+            <a:endParaRPr lang="en-US" dirty="0"/>
           </a:p>
         </p:txBody>
       </p:sp>
@@ -7086,7 +7198,7 @@
           <p:cNvPr id="2" name="Title 1">
             <a:extLst>
               <a:ext uri="{FF2B5EF4-FFF2-40B4-BE49-F238E27FC236}">
-                <a16:creationId xmlns:a16="http://schemas.microsoft.com/office/drawing/2014/main" id="{509AD2B2-8745-4027-BCB2-DAD079E433CC}"/>
+                <a16:creationId xmlns:a16="http://schemas.microsoft.com/office/drawing/2014/main" id="{5A6A1C92-CDED-4DD2-88C2-565B105EEE1F}"/>
               </a:ext>
             </a:extLst>
           </p:cNvPr>
@@ -7102,52 +7214,72 @@
           <a:bodyPr/>
           <a:lstStyle/>
           <a:p>
-            <a:r>
-              <a:rPr lang="en-US" dirty="0"/>
-              <a:t>Estimator function:</a:t>
-            </a:r>
-          </a:p>
-        </p:txBody>
-      </p:sp>
-      <p:pic>
-        <p:nvPicPr>
-          <p:cNvPr id="5" name="Content Placeholder 4">
+            <a:endParaRPr lang="en-US"/>
+          </a:p>
+        </p:txBody>
+      </p:sp>
+      <p:sp>
+        <p:nvSpPr>
+          <p:cNvPr id="3" name="Content Placeholder 2">
             <a:extLst>
               <a:ext uri="{FF2B5EF4-FFF2-40B4-BE49-F238E27FC236}">
-                <a16:creationId xmlns:a16="http://schemas.microsoft.com/office/drawing/2014/main" id="{D7B0F40B-1A9E-49CD-9300-F3AE061C581F}"/>
+                <a16:creationId xmlns:a16="http://schemas.microsoft.com/office/drawing/2014/main" id="{37C4C3DD-CD0E-4C06-93FA-3E3270EE3B9A}"/>
               </a:ext>
             </a:extLst>
           </p:cNvPr>
-          <p:cNvPicPr>
-            <a:picLocks noGrp="1" noChangeAspect="1"/>
-          </p:cNvPicPr>
+          <p:cNvSpPr>
+            <a:spLocks noGrp="1"/>
+          </p:cNvSpPr>
           <p:nvPr>
             <p:ph idx="1"/>
           </p:nvPr>
-        </p:nvPicPr>
-        <p:blipFill>
-          <a:blip r:embed="rId2">
-            <a:extLst>
-              <a:ext uri="{28A0092B-C50C-407E-A947-70E740481C1C}">
-                <a14:useLocalDpi xmlns:a14="http://schemas.microsoft.com/office/drawing/2010/main" val="0"/>
-              </a:ext>
-            </a:extLst>
-          </a:blip>
-          <a:stretch>
-            <a:fillRect/>
-          </a:stretch>
-        </p:blipFill>
-        <p:spPr>
-          <a:xfrm>
-            <a:off x="914400" y="2678598"/>
-            <a:ext cx="8724153" cy="2745658"/>
-          </a:xfrm>
-        </p:spPr>
-      </p:pic>
+        </p:nvSpPr>
+        <p:spPr/>
+        <p:txBody>
+          <a:bodyPr>
+            <a:normAutofit/>
+          </a:bodyPr>
+          <a:lstStyle/>
+          <a:p>
+            <a:r>
+              <a:rPr lang="en-US" dirty="0"/>
+              <a:t>Limits/manipulations used:</a:t>
+            </a:r>
+          </a:p>
+          <a:p>
+            <a:pPr lvl="1"/>
+            <a:r>
+              <a:rPr lang="en-US" dirty="0"/>
+              <a:t>Capped the house price to $1.33MM</a:t>
+            </a:r>
+          </a:p>
+          <a:p>
+            <a:pPr lvl="1"/>
+            <a:r>
+              <a:rPr lang="en-US" dirty="0"/>
+              <a:t>Capped bedrooms to 6</a:t>
+            </a:r>
+          </a:p>
+          <a:p>
+            <a:pPr lvl="1"/>
+            <a:r>
+              <a:rPr lang="en-US" dirty="0"/>
+              <a:t>Capped bathrooms to 5</a:t>
+            </a:r>
+          </a:p>
+          <a:p>
+            <a:pPr lvl="1"/>
+            <a:r>
+              <a:rPr lang="en-US" dirty="0"/>
+              <a:t>Removed outliers</a:t>
+            </a:r>
+          </a:p>
+        </p:txBody>
+      </p:sp>
     </p:spTree>
     <p:extLst>
       <p:ext uri="{BB962C8B-B14F-4D97-AF65-F5344CB8AC3E}">
-        <p14:creationId xmlns:p14="http://schemas.microsoft.com/office/powerpoint/2010/main" val="562808752"/>
+        <p14:creationId xmlns:p14="http://schemas.microsoft.com/office/powerpoint/2010/main" val="885425253"/>
       </p:ext>
     </p:extLst>
   </p:cSld>
@@ -7179,7 +7311,7 @@
           <p:cNvPr id="2" name="Title 1">
             <a:extLst>
               <a:ext uri="{FF2B5EF4-FFF2-40B4-BE49-F238E27FC236}">
-                <a16:creationId xmlns:a16="http://schemas.microsoft.com/office/drawing/2014/main" id="{233B9B63-6268-477D-ADBC-4C5517D1F1A5}"/>
+                <a16:creationId xmlns:a16="http://schemas.microsoft.com/office/drawing/2014/main" id="{509AD2B2-8745-4027-BCB2-DAD079E433CC}"/>
               </a:ext>
             </a:extLst>
           </p:cNvPr>
@@ -7197,49 +7329,50 @@
           <a:p>
             <a:r>
               <a:rPr lang="en-US" dirty="0"/>
-              <a:t>Conclusions</a:t>
-            </a:r>
-          </a:p>
-        </p:txBody>
-      </p:sp>
-      <p:sp>
-        <p:nvSpPr>
-          <p:cNvPr id="3" name="Content Placeholder 2">
+              <a:t>Estimator function:</a:t>
+            </a:r>
+          </a:p>
+        </p:txBody>
+      </p:sp>
+      <p:pic>
+        <p:nvPicPr>
+          <p:cNvPr id="5" name="Content Placeholder 4">
             <a:extLst>
               <a:ext uri="{FF2B5EF4-FFF2-40B4-BE49-F238E27FC236}">
-                <a16:creationId xmlns:a16="http://schemas.microsoft.com/office/drawing/2014/main" id="{26EE9B32-57FF-42B9-8D8D-58DB18754601}"/>
+                <a16:creationId xmlns:a16="http://schemas.microsoft.com/office/drawing/2014/main" id="{D7B0F40B-1A9E-49CD-9300-F3AE061C581F}"/>
               </a:ext>
             </a:extLst>
           </p:cNvPr>
-          <p:cNvSpPr>
-            <a:spLocks noGrp="1"/>
-          </p:cNvSpPr>
+          <p:cNvPicPr>
+            <a:picLocks noGrp="1" noChangeAspect="1"/>
+          </p:cNvPicPr>
           <p:nvPr>
             <p:ph idx="1"/>
           </p:nvPr>
-        </p:nvSpPr>
-        <p:spPr/>
-        <p:txBody>
-          <a:bodyPr/>
-          <a:lstStyle/>
-          <a:p>
-            <a:r>
-              <a:rPr lang="en-US" dirty="0"/>
-              <a:t>After all the data manipulating and narrowing of scope, the best model is still the first with roughly 50% reliability.</a:t>
-            </a:r>
-          </a:p>
-          <a:p>
-            <a:r>
-              <a:rPr lang="en-US" dirty="0"/>
-              <a:t>More work is needed to improve the model.</a:t>
-            </a:r>
-          </a:p>
-        </p:txBody>
-      </p:sp>
+        </p:nvPicPr>
+        <p:blipFill>
+          <a:blip r:embed="rId2">
+            <a:extLst>
+              <a:ext uri="{28A0092B-C50C-407E-A947-70E740481C1C}">
+                <a14:useLocalDpi xmlns:a14="http://schemas.microsoft.com/office/drawing/2010/main" val="0"/>
+              </a:ext>
+            </a:extLst>
+          </a:blip>
+          <a:stretch>
+            <a:fillRect/>
+          </a:stretch>
+        </p:blipFill>
+        <p:spPr>
+          <a:xfrm>
+            <a:off x="914400" y="2678598"/>
+            <a:ext cx="8724153" cy="2745658"/>
+          </a:xfrm>
+        </p:spPr>
+      </p:pic>
     </p:spTree>
     <p:extLst>
       <p:ext uri="{BB962C8B-B14F-4D97-AF65-F5344CB8AC3E}">
-        <p14:creationId xmlns:p14="http://schemas.microsoft.com/office/powerpoint/2010/main" val="1822386034"/>
+        <p14:creationId xmlns:p14="http://schemas.microsoft.com/office/powerpoint/2010/main" val="562808752"/>
       </p:ext>
     </p:extLst>
   </p:cSld>
